--- a/Slide/Apresentação Final.pptx
+++ b/Slide/Apresentação Final.pptx
@@ -299,7 +299,7 @@
             <a:fld id="{276D79ED-3FA7-4EF8-964B-EB8BCFAB02F8}" type="datetimeFigureOut">
               <a:rPr lang="en-US" smtClean="0"/>
               <a:pPr/>
-              <a:t>6/9/2022</a:t>
+              <a:t>6/11/2022</a:t>
             </a:fld>
             <a:endParaRPr lang="en-US"/>
           </a:p>
@@ -342,7 +342,7 @@
             <a:fld id="{C6F12CB2-7F2C-47B9-AE70-22A94B49F233}" type="slidenum">
               <a:rPr lang="en-US" smtClean="0"/>
               <a:pPr/>
-              <a:t>‹#›</a:t>
+              <a:t>‹nº›</a:t>
             </a:fld>
             <a:endParaRPr lang="en-US"/>
           </a:p>
@@ -486,7 +486,7 @@
             <a:fld id="{276D79ED-3FA7-4EF8-964B-EB8BCFAB02F8}" type="datetimeFigureOut">
               <a:rPr lang="en-US" smtClean="0"/>
               <a:pPr/>
-              <a:t>6/9/2022</a:t>
+              <a:t>6/11/2022</a:t>
             </a:fld>
             <a:endParaRPr lang="en-US"/>
           </a:p>
@@ -539,7 +539,7 @@
             <a:fld id="{C6F12CB2-7F2C-47B9-AE70-22A94B49F233}" type="slidenum">
               <a:rPr lang="en-US" smtClean="0"/>
               <a:pPr/>
-              <a:t>‹#›</a:t>
+              <a:t>‹nº›</a:t>
             </a:fld>
             <a:endParaRPr lang="en-US"/>
           </a:p>
@@ -767,7 +767,7 @@
             <a:fld id="{276D79ED-3FA7-4EF8-964B-EB8BCFAB02F8}" type="datetimeFigureOut">
               <a:rPr lang="en-US" smtClean="0"/>
               <a:pPr/>
-              <a:t>6/9/2022</a:t>
+              <a:t>6/11/2022</a:t>
             </a:fld>
             <a:endParaRPr lang="en-US"/>
           </a:p>
@@ -820,7 +820,7 @@
             <a:fld id="{C6F12CB2-7F2C-47B9-AE70-22A94B49F233}" type="slidenum">
               <a:rPr lang="en-US" smtClean="0"/>
               <a:pPr/>
-              <a:t>‹#›</a:t>
+              <a:t>‹nº›</a:t>
             </a:fld>
             <a:endParaRPr lang="en-US"/>
           </a:p>
@@ -1011,7 +1011,7 @@
             <a:fld id="{276D79ED-3FA7-4EF8-964B-EB8BCFAB02F8}" type="datetimeFigureOut">
               <a:rPr lang="en-US" smtClean="0"/>
               <a:pPr/>
-              <a:t>6/9/2022</a:t>
+              <a:t>6/11/2022</a:t>
             </a:fld>
             <a:endParaRPr lang="en-US"/>
           </a:p>
@@ -1054,7 +1054,7 @@
             <a:fld id="{C6F12CB2-7F2C-47B9-AE70-22A94B49F233}" type="slidenum">
               <a:rPr lang="en-US" smtClean="0"/>
               <a:pPr/>
-              <a:t>‹#›</a:t>
+              <a:t>‹nº›</a:t>
             </a:fld>
             <a:endParaRPr lang="en-US"/>
           </a:p>
@@ -1380,7 +1380,7 @@
             <a:fld id="{276D79ED-3FA7-4EF8-964B-EB8BCFAB02F8}" type="datetimeFigureOut">
               <a:rPr lang="en-US" smtClean="0"/>
               <a:pPr/>
-              <a:t>6/9/2022</a:t>
+              <a:t>6/11/2022</a:t>
             </a:fld>
             <a:endParaRPr lang="en-US"/>
           </a:p>
@@ -1423,7 +1423,7 @@
             <a:fld id="{C6F12CB2-7F2C-47B9-AE70-22A94B49F233}" type="slidenum">
               <a:rPr lang="en-US" smtClean="0"/>
               <a:pPr/>
-              <a:t>‹#›</a:t>
+              <a:t>‹nº›</a:t>
             </a:fld>
             <a:endParaRPr lang="en-US"/>
           </a:p>
@@ -1500,7 +1500,7 @@
             <a:fld id="{276D79ED-3FA7-4EF8-964B-EB8BCFAB02F8}" type="datetimeFigureOut">
               <a:rPr lang="en-US" smtClean="0"/>
               <a:pPr/>
-              <a:t>6/9/2022</a:t>
+              <a:t>6/11/2022</a:t>
             </a:fld>
             <a:endParaRPr lang="en-US"/>
           </a:p>
@@ -1543,7 +1543,7 @@
             <a:fld id="{C6F12CB2-7F2C-47B9-AE70-22A94B49F233}" type="slidenum">
               <a:rPr lang="en-US" smtClean="0"/>
               <a:pPr/>
-              <a:t>‹#›</a:t>
+              <a:t>‹nº›</a:t>
             </a:fld>
             <a:endParaRPr lang="en-US"/>
           </a:p>
@@ -1597,7 +1597,7 @@
             <a:fld id="{276D79ED-3FA7-4EF8-964B-EB8BCFAB02F8}" type="datetimeFigureOut">
               <a:rPr lang="en-US" smtClean="0"/>
               <a:pPr/>
-              <a:t>6/9/2022</a:t>
+              <a:t>6/11/2022</a:t>
             </a:fld>
             <a:endParaRPr lang="en-US"/>
           </a:p>
@@ -1640,7 +1640,7 @@
             <a:fld id="{C6F12CB2-7F2C-47B9-AE70-22A94B49F233}" type="slidenum">
               <a:rPr lang="en-US" smtClean="0"/>
               <a:pPr/>
-              <a:t>‹#›</a:t>
+              <a:t>‹nº›</a:t>
             </a:fld>
             <a:endParaRPr lang="en-US"/>
           </a:p>
@@ -1876,7 +1876,7 @@
             <a:fld id="{276D79ED-3FA7-4EF8-964B-EB8BCFAB02F8}" type="datetimeFigureOut">
               <a:rPr lang="en-US" smtClean="0"/>
               <a:pPr/>
-              <a:t>6/9/2022</a:t>
+              <a:t>6/11/2022</a:t>
             </a:fld>
             <a:endParaRPr lang="en-US"/>
           </a:p>
@@ -1919,7 +1919,7 @@
             <a:fld id="{C6F12CB2-7F2C-47B9-AE70-22A94B49F233}" type="slidenum">
               <a:rPr lang="en-US" smtClean="0"/>
               <a:pPr/>
-              <a:t>‹#›</a:t>
+              <a:t>‹nº›</a:t>
             </a:fld>
             <a:endParaRPr lang="en-US"/>
           </a:p>
@@ -2135,7 +2135,7 @@
             <a:fld id="{276D79ED-3FA7-4EF8-964B-EB8BCFAB02F8}" type="datetimeFigureOut">
               <a:rPr lang="en-US" smtClean="0"/>
               <a:pPr/>
-              <a:t>6/9/2022</a:t>
+              <a:t>6/11/2022</a:t>
             </a:fld>
             <a:endParaRPr lang="en-US"/>
           </a:p>
@@ -2178,7 +2178,7 @@
             <a:fld id="{C6F12CB2-7F2C-47B9-AE70-22A94B49F233}" type="slidenum">
               <a:rPr lang="en-US" smtClean="0"/>
               <a:pPr/>
-              <a:t>‹#›</a:t>
+              <a:t>‹nº›</a:t>
             </a:fld>
             <a:endParaRPr lang="en-US"/>
           </a:p>
@@ -2362,7 +2362,7 @@
             <a:fld id="{276D79ED-3FA7-4EF8-964B-EB8BCFAB02F8}" type="datetimeFigureOut">
               <a:rPr lang="en-US" smtClean="0"/>
               <a:pPr/>
-              <a:t>6/9/2022</a:t>
+              <a:t>6/11/2022</a:t>
             </a:fld>
             <a:endParaRPr lang="en-US"/>
           </a:p>
@@ -2447,7 +2447,7 @@
             <a:fld id="{C6F12CB2-7F2C-47B9-AE70-22A94B49F233}" type="slidenum">
               <a:rPr lang="en-US" smtClean="0"/>
               <a:pPr/>
-              <a:t>‹#›</a:t>
+              <a:t>‹nº›</a:t>
             </a:fld>
             <a:endParaRPr lang="en-US"/>
           </a:p>
@@ -3104,18 +3104,18 @@
         </p:nvSpPr>
         <p:spPr>
           <a:xfrm>
-            <a:off x="327473" y="1816462"/>
-            <a:ext cx="4498527" cy="2069738"/>
+            <a:off x="181700" y="1287359"/>
+            <a:ext cx="4165014" cy="1034869"/>
           </a:xfrm>
         </p:spPr>
         <p:txBody>
           <a:bodyPr vert="horz" lIns="91440" tIns="45720" rIns="91440" bIns="45720" rtlCol="0" anchor="t">
-            <a:normAutofit/>
+            <a:normAutofit fontScale="92500"/>
           </a:bodyPr>
           <a:lstStyle/>
           <a:p>
             <a:r>
-              <a:rPr lang="en-US" dirty="0" err="1">
+              <a:rPr lang="en-US" dirty="0">
                 <a:solidFill>
                   <a:srgbClr val="00157E"/>
                 </a:solidFill>
@@ -3123,50 +3123,17 @@
                 <a:ea typeface="Open Sans"/>
                 <a:cs typeface="Open Sans"/>
               </a:rPr>
-              <a:t>Conhecendo</a:t>
-            </a:r>
+              <a:t>Conhecendo o Esporte;</a:t>
+            </a:r>
+          </a:p>
+          <a:p>
             <a:r>
               <a:rPr lang="en-US" dirty="0">
                 <a:solidFill>
                   <a:srgbClr val="00157E"/>
                 </a:solidFill>
-                <a:latin typeface="Open Sans"/>
-                <a:ea typeface="Open Sans"/>
-                <a:cs typeface="Open Sans"/>
               </a:rPr>
-              <a:t> o </a:t>
-            </a:r>
-            <a:r>
-              <a:rPr lang="en-US" dirty="0" err="1">
-                <a:solidFill>
-                  <a:srgbClr val="00157E"/>
-                </a:solidFill>
-                <a:latin typeface="Open Sans"/>
-                <a:ea typeface="Open Sans"/>
-                <a:cs typeface="Open Sans"/>
-              </a:rPr>
-              <a:t>Esporte</a:t>
-            </a:r>
-            <a:r>
-              <a:rPr lang="en-US" dirty="0">
-                <a:solidFill>
-                  <a:srgbClr val="00157E"/>
-                </a:solidFill>
-                <a:latin typeface="Open Sans"/>
-                <a:ea typeface="Open Sans"/>
-                <a:cs typeface="Open Sans"/>
-              </a:rPr>
-              <a:t>.</a:t>
-            </a:r>
-          </a:p>
-          <a:p>
-            <a:r>
-              <a:rPr lang="en-US" dirty="0">
-                <a:solidFill>
-                  <a:srgbClr val="00157E"/>
-                </a:solidFill>
-              </a:rPr>
-              <a:t>Escolha do tema.</a:t>
+              <a:t>Escolha do tema</a:t>
             </a:r>
           </a:p>
         </p:txBody>
@@ -3181,7 +3148,7 @@
         </p:nvSpPr>
         <p:spPr>
           <a:xfrm>
-            <a:off x="4607373" y="1791062"/>
+            <a:off x="5116738" y="667809"/>
             <a:ext cx="4498527" cy="2069738"/>
           </a:xfrm>
           <a:prstGeom prst="rect">
@@ -3239,20 +3206,6 @@
               </a:rPr>
               <a:t>;</a:t>
             </a:r>
-            <a:endParaRPr kumimoji="0" lang="en-US" sz="2800" b="0" i="0" u="none" strike="noStrike" kern="1200" cap="none" spc="0" normalizeH="0" baseline="0" noProof="0" dirty="0">
-              <a:ln>
-                <a:noFill/>
-              </a:ln>
-              <a:solidFill>
-                <a:srgbClr val="00157E"/>
-              </a:solidFill>
-              <a:effectLst/>
-              <a:uLnTx/>
-              <a:uFillTx/>
-              <a:latin typeface="Open Sans" panose="020B0606030504020204" pitchFamily="34" charset="0"/>
-              <a:ea typeface="Open Sans" panose="020B0606030504020204" pitchFamily="34" charset="0"/>
-              <a:cs typeface="Open Sans" panose="020B0606030504020204" pitchFamily="34" charset="0"/>
-            </a:endParaRPr>
           </a:p>
           <a:p>
             <a:pPr marL="228600" marR="0" lvl="0" indent="-228600" algn="l" defTabSz="914400" rtl="0" eaLnBrk="1" fontAlgn="auto" latinLnBrk="0" hangingPunct="1">
@@ -3273,6 +3226,56 @@
               <a:defRPr/>
             </a:pPr>
             <a:r>
+              <a:rPr kumimoji="0" lang="en-US" sz="2800" b="0" i="0" u="none" strike="noStrike" kern="1200" cap="none" spc="0" normalizeH="0" baseline="0" noProof="0" dirty="0">
+                <a:ln>
+                  <a:noFill/>
+                </a:ln>
+                <a:solidFill>
+                  <a:srgbClr val="00157E"/>
+                </a:solidFill>
+                <a:effectLst/>
+                <a:uLnTx/>
+                <a:uFillTx/>
+                <a:latin typeface="Open Sans"/>
+                <a:ea typeface="Open Sans"/>
+                <a:cs typeface="Open Sans"/>
+              </a:rPr>
+              <a:t>Resiliência</a:t>
+            </a:r>
+            <a:endParaRPr kumimoji="0" lang="en-US" sz="2800" b="0" i="0" u="none" strike="noStrike" kern="1200" cap="none" spc="0" normalizeH="0" baseline="0" noProof="0" dirty="0">
+              <a:ln>
+                <a:noFill/>
+              </a:ln>
+              <a:solidFill>
+                <a:srgbClr val="00157E"/>
+              </a:solidFill>
+              <a:effectLst/>
+              <a:uLnTx/>
+              <a:uFillTx/>
+              <a:latin typeface="Open Sans" panose="020B0606030504020204" pitchFamily="34" charset="0"/>
+              <a:ea typeface="Open Sans" panose="020B0606030504020204" pitchFamily="34" charset="0"/>
+              <a:cs typeface="Open Sans" panose="020B0606030504020204" pitchFamily="34" charset="0"/>
+            </a:endParaRPr>
+          </a:p>
+          <a:p>
+            <a:pPr marL="228600" marR="0" lvl="0" indent="-228600" algn="l" defTabSz="914400" rtl="0" eaLnBrk="1" fontAlgn="auto" latinLnBrk="0" hangingPunct="1">
+              <a:lnSpc>
+                <a:spcPct val="90000"/>
+              </a:lnSpc>
+              <a:spcBef>
+                <a:spcPts val="1000"/>
+              </a:spcBef>
+              <a:spcAft>
+                <a:spcPts val="0"/>
+              </a:spcAft>
+              <a:buClrTx/>
+              <a:buSzTx/>
+              <a:buFont typeface="Arial" panose="020B0604020202020204" pitchFamily="34" charset="0"/>
+              <a:buChar char="•"/>
+              <a:tabLst/>
+              <a:defRPr/>
+            </a:pPr>
+            <a:r>
               <a:rPr lang="en-US" sz="2800" dirty="0">
                 <a:solidFill>
                   <a:srgbClr val="00157E"/>
@@ -3316,7 +3319,7 @@
         </p:blipFill>
         <p:spPr>
           <a:xfrm>
-            <a:off x="658843" y="2968896"/>
+            <a:off x="293040" y="2991974"/>
             <a:ext cx="2753863" cy="3625758"/>
           </a:xfrm>
           <a:prstGeom prst="rect">
@@ -3364,7 +3367,7 @@
         </p:blipFill>
         <p:spPr>
           <a:xfrm>
-            <a:off x="5410460" y="3314700"/>
+            <a:off x="3288935" y="3658632"/>
             <a:ext cx="2911950" cy="2959100"/>
           </a:xfrm>
           <a:prstGeom prst="rect">
@@ -3546,28 +3549,62 @@
         </p:spPr>
         <p:txBody>
           <a:bodyPr>
-            <a:normAutofit fontScale="92500"/>
+            <a:normAutofit fontScale="85000" lnSpcReduction="10000"/>
           </a:bodyPr>
           <a:lstStyle/>
           <a:p>
+            <a:pPr marL="342900" indent="-342900">
+              <a:buFont typeface="Arial" panose="020B0604020202020204" pitchFamily="34" charset="0"/>
+              <a:buChar char="•"/>
+            </a:pPr>
             <a:r>
               <a:rPr lang="en-US" dirty="0">
                 <a:solidFill>
                   <a:schemeClr val="bg1"/>
                 </a:solidFill>
               </a:rPr>
-              <a:t>Organização de ideias.</a:t>
-            </a:r>
-          </a:p>
-          <a:p>
+              <a:t>Organização de </a:t>
+            </a:r>
+            <a:r>
+              <a:rPr lang="en-US" dirty="0" err="1">
+                <a:solidFill>
+                  <a:schemeClr val="bg1"/>
+                </a:solidFill>
+              </a:rPr>
+              <a:t>Ideias</a:t>
+            </a:r>
+            <a:endParaRPr lang="en-US" dirty="0">
+              <a:solidFill>
+                <a:schemeClr val="bg1"/>
+              </a:solidFill>
+            </a:endParaRPr>
+          </a:p>
+          <a:p>
+            <a:pPr marL="342900" indent="-342900">
+              <a:buFont typeface="Arial" panose="020B0604020202020204" pitchFamily="34" charset="0"/>
+              <a:buChar char="•"/>
+            </a:pPr>
             <a:r>
               <a:rPr lang="en-US" dirty="0">
                 <a:solidFill>
                   <a:schemeClr val="bg1"/>
                 </a:solidFill>
               </a:rPr>
-              <a:t>Tema repetitivo.</a:t>
-            </a:r>
+              <a:t>Tema </a:t>
+            </a:r>
+            <a:r>
+              <a:rPr lang="en-US" dirty="0" err="1">
+                <a:solidFill>
+                  <a:schemeClr val="bg1"/>
+                </a:solidFill>
+              </a:rPr>
+              <a:t>repetitivo</a:t>
+            </a:r>
+            <a:endParaRPr lang="en-US" dirty="0">
+              <a:solidFill>
+                <a:schemeClr val="bg1"/>
+              </a:solidFill>
+            </a:endParaRPr>
           </a:p>
           <a:p>
             <a:endParaRPr lang="en-US" dirty="0">
@@ -3656,8 +3693,8 @@
         </p:nvSpPr>
         <p:spPr>
           <a:xfrm>
-            <a:off x="200424" y="3621178"/>
-            <a:ext cx="4618148" cy="1166722"/>
+            <a:off x="200423" y="3564835"/>
+            <a:ext cx="4781963" cy="1223065"/>
           </a:xfrm>
           <a:ln>
             <a:solidFill>
@@ -3717,12 +3754,16 @@
         </p:spPr>
         <p:txBody>
           <a:bodyPr vert="horz" lIns="91440" tIns="45720" rIns="91440" bIns="45720" rtlCol="0" anchor="t">
-            <a:normAutofit lnSpcReduction="10000"/>
+            <a:normAutofit/>
           </a:bodyPr>
           <a:lstStyle/>
           <a:p>
-            <a:r>
-              <a:rPr lang="en-US" dirty="0" err="1">
+            <a:pPr marL="342900" indent="-342900">
+              <a:buFont typeface="Arial" panose="020B0604020202020204" pitchFamily="34" charset="0"/>
+              <a:buChar char="•"/>
+            </a:pPr>
+            <a:r>
+              <a:rPr lang="en-US" sz="2000" dirty="0" err="1">
                 <a:solidFill>
                   <a:schemeClr val="bg1"/>
                 </a:solidFill>
@@ -3732,8 +3773,19 @@
               </a:rPr>
               <a:t>FeedBack</a:t>
             </a:r>
-            <a:r>
-              <a:rPr lang="en-US" dirty="0">
+            <a:endParaRPr lang="en-US" sz="2000" dirty="0">
+              <a:solidFill>
+                <a:schemeClr val="bg1"/>
+              </a:solidFill>
+            </a:endParaRPr>
+          </a:p>
+          <a:p>
+            <a:pPr marL="342900" indent="-342900">
+              <a:buFont typeface="Arial" panose="020B0604020202020204" pitchFamily="34" charset="0"/>
+              <a:buChar char="•"/>
+            </a:pPr>
+            <a:r>
+              <a:rPr lang="en-US" sz="2000" dirty="0" err="1">
                 <a:solidFill>
                   <a:schemeClr val="bg1"/>
                 </a:solidFill>
@@ -3741,27 +3793,9 @@
                 <a:ea typeface="Open Sans"/>
                 <a:cs typeface="Open Sans"/>
               </a:rPr>
-              <a:t>.</a:t>
-            </a:r>
-            <a:endParaRPr lang="en-US" dirty="0">
-              <a:solidFill>
-                <a:schemeClr val="bg1"/>
-              </a:solidFill>
-            </a:endParaRPr>
-          </a:p>
-          <a:p>
-            <a:r>
-              <a:rPr lang="en-US" dirty="0">
-                <a:solidFill>
-                  <a:schemeClr val="bg1"/>
-                </a:solidFill>
-                <a:latin typeface="Open Sans"/>
-                <a:ea typeface="Open Sans"/>
-                <a:cs typeface="Open Sans"/>
-              </a:rPr>
-              <a:t>Foco.</a:t>
-            </a:r>
-            <a:endParaRPr lang="en-US" dirty="0">
+              <a:t>Foco</a:t>
+            </a:r>
+            <a:endParaRPr lang="en-US" sz="2000" dirty="0">
               <a:solidFill>
                 <a:schemeClr val="bg1"/>
               </a:solidFill>
@@ -3795,7 +3829,7 @@
         </p:blipFill>
         <p:spPr>
           <a:xfrm flipH="1">
-            <a:off x="3684978" y="3702409"/>
+            <a:off x="3844005" y="3664789"/>
             <a:ext cx="1138382" cy="1079500"/>
           </a:xfrm>
           <a:prstGeom prst="rect">
@@ -4034,7 +4068,7 @@
                   <a:srgbClr val="00157E"/>
                 </a:solidFill>
               </a:rPr>
-              <a:t>Uso do GitHub(PI)</a:t>
+              <a:t>Uso do GitHub (PI)</a:t>
             </a:r>
           </a:p>
         </p:txBody>
@@ -4088,6 +4122,7 @@
       <p:pic>
         <p:nvPicPr>
           <p:cNvPr id="5" name="Picture 5">
+            <a:hlinkClick r:id="rId2"/>
             <a:extLst>
               <a:ext uri="{FF2B5EF4-FFF2-40B4-BE49-F238E27FC236}">
                 <a16:creationId xmlns:a16="http://schemas.microsoft.com/office/drawing/2014/main" id="{C4069E98-1F7B-FAD0-C61C-77D9AE37FEF9}"/>
@@ -4100,7 +4135,7 @@
           <p:nvPr/>
         </p:nvPicPr>
         <p:blipFill>
-          <a:blip r:embed="rId2"/>
+          <a:blip r:embed="rId3"/>
           <a:stretch>
             <a:fillRect/>
           </a:stretch>
@@ -4174,14 +4209,16 @@
       </p:grpSpPr>
       <p:pic>
         <p:nvPicPr>
-          <p:cNvPr id="2" name="Imagem 1" descr="home.png"/>
+          <p:cNvPr id="2" name="Imagem 1" descr="home.png">
+            <a:hlinkClick r:id="rId2"/>
+          </p:cNvPr>
           <p:cNvPicPr>
             <a:picLocks noChangeAspect="1"/>
           </p:cNvPicPr>
           <p:nvPr/>
         </p:nvPicPr>
         <p:blipFill>
-          <a:blip r:embed="rId2"/>
+          <a:blip r:embed="rId3"/>
           <a:stretch>
             <a:fillRect/>
           </a:stretch>
@@ -4553,7 +4590,7 @@
         </p:nvSpPr>
         <p:spPr>
           <a:xfrm>
-            <a:off x="327473" y="1816462"/>
+            <a:off x="247960" y="1295952"/>
             <a:ext cx="5006527" cy="2133238"/>
           </a:xfrm>
         </p:spPr>
@@ -4563,14 +4600,14 @@
           </a:bodyPr>
           <a:lstStyle/>
           <a:p>
-            <a:r>
-              <a:rPr lang="en-US" sz="2400" dirty="0">
-                <a:solidFill>
-                  <a:srgbClr val="00157E"/>
-                </a:solidFill>
-              </a:rPr>
-              <a:t>Colegas de Sala.</a:t>
-            </a:r>
+            <a:pPr marL="0" indent="0">
+              <a:buNone/>
+            </a:pPr>
+            <a:endParaRPr lang="en-US" sz="2400" dirty="0">
+              <a:solidFill>
+                <a:srgbClr val="00157E"/>
+              </a:solidFill>
+            </a:endParaRPr>
           </a:p>
           <a:p>
             <a:r>
